--- a/Google Coral Micro Final Presentation.pptx
+++ b/Google Coral Micro Final Presentation.pptx
@@ -8176,7 +8176,7 @@
         </p:spPr>
         <p:txBody>
           <a:bodyPr anchorCtr="0" anchor="t" bIns="91425" lIns="91425" spcFirstLastPara="1" rIns="91425" wrap="square" tIns="91425">
-            <a:normAutofit lnSpcReduction="10000"/>
+            <a:normAutofit/>
           </a:bodyPr>
           <a:lstStyle/>
           <a:p>
@@ -8208,7 +8208,7 @@
             </a:pPr>
             <a:r>
               <a:rPr lang="en"/>
-              <a:t>Perform image classification on Coral Micro board</a:t>
+              <a:t>Perform image classification</a:t>
             </a:r>
             <a:endParaRPr/>
           </a:p>
@@ -8225,7 +8225,7 @@
             </a:pPr>
             <a:r>
               <a:rPr lang="en"/>
-              <a:t>Compare Coral vs Colab</a:t>
+              <a:t>Compare Coral vs Colab execution time</a:t>
             </a:r>
             <a:endParaRPr/>
           </a:p>
@@ -8242,7 +8242,7 @@
             </a:pPr>
             <a:r>
               <a:rPr lang="en"/>
-              <a:t>Compare timing results between hardware and software</a:t>
+              <a:t>Determine advantages and disadvantages of physical hardware access</a:t>
             </a:r>
             <a:endParaRPr/>
           </a:p>
@@ -8897,7 +8897,7 @@
             <a:tbl>
               <a:tblPr>
                 <a:noFill/>
-                <a:tableStyleId>{A2A31DF9-83E3-4617-9B5A-C402C1480CF7}</a:tableStyleId>
+                <a:tableStyleId>{8015DE05-A450-4104-9E48-721B6935837F}</a:tableStyleId>
               </a:tblPr>
               <a:tblGrid>
                 <a:gridCol w="2008625"/>
